--- a/Presentazione Laurea/Presentazione laurea.pptx
+++ b/Presentazione Laurea/Presentazione laurea.pptx
@@ -14347,6 +14347,13 @@
       <p:transition/>
     </mc:Fallback>
   </mc:AlternateContent>
+  <p:timing>
+    <p:tnLst>
+      <p:par>
+        <p:cTn id="1" dur="indefinite" restart="never" nodeType="tmRoot"/>
+      </p:par>
+    </p:tnLst>
+  </p:timing>
 </p:sld>
 </file>
 
@@ -14490,8 +14497,8 @@
           </a:p>
         </p:txBody>
       </p:sp>
-      <mc:AlternateContent xmlns:mc="http://schemas.openxmlformats.org/markup-compatibility/2006">
-        <mc:Choice xmlns:a14="http://schemas.microsoft.com/office/drawing/2010/main" Requires="a14">
+      <mc:AlternateContent xmlns:mc="http://schemas.openxmlformats.org/markup-compatibility/2006" xmlns:a14="http://schemas.microsoft.com/office/drawing/2010/main">
+        <mc:Choice Requires="a14">
           <p:sp>
             <p:nvSpPr>
               <p:cNvPr id="494" name="Shape 494"/>
@@ -14538,16 +14545,7 @@
                     <a:cs typeface="Comfortaa"/>
                     <a:sym typeface="Comfortaa"/>
                   </a:rPr>
-                  <a:t>Identificazione soglie </a:t>
-                </a:r>
-                <a:r>
-                  <a:rPr lang="it-IT" dirty="0" smtClean="0">
-                    <a:latin typeface="Comfortaa"/>
-                    <a:ea typeface="Comfortaa"/>
-                    <a:cs typeface="Comfortaa"/>
-                    <a:sym typeface="Comfortaa"/>
-                  </a:rPr>
-                  <a:t>ottime</a:t>
+                  <a:t>Identificazione soglie ottime</a:t>
                 </a:r>
               </a:p>
               <a:p>
@@ -14801,21 +14799,7 @@
                         <a:cs typeface="Comfortaa"/>
                         <a:sym typeface="Comfortaa"/>
                       </a:rPr>
-                      <m:t>=</m:t>
-                    </m:r>
-                    <m:r>
-                      <a:rPr lang="it-IT" i="1">
-                        <a:solidFill>
-                          <a:schemeClr val="tx2">
-                            <a:lumMod val="75000"/>
-                          </a:schemeClr>
-                        </a:solidFill>
-                        <a:latin typeface="Cambria Math" panose="02040503050406030204" pitchFamily="18" charset="0"/>
-                        <a:ea typeface="Comfortaa"/>
-                        <a:cs typeface="Comfortaa"/>
-                        <a:sym typeface="Comfortaa"/>
-                      </a:rPr>
-                      <m:t>2</m:t>
+                      <m:t>=2</m:t>
                     </m:r>
                   </m:oMath>
                 </a14:m>
@@ -14903,21 +14887,7 @@
                         <a:cs typeface="Comfortaa"/>
                         <a:sym typeface="Comfortaa"/>
                       </a:rPr>
-                      <m:t>=</m:t>
-                    </m:r>
-                    <m:r>
-                      <a:rPr lang="it-IT" i="1">
-                        <a:solidFill>
-                          <a:schemeClr val="tx2">
-                            <a:lumMod val="75000"/>
-                          </a:schemeClr>
-                        </a:solidFill>
-                        <a:latin typeface="Cambria Math" panose="02040503050406030204" pitchFamily="18" charset="0"/>
-                        <a:ea typeface="Comfortaa"/>
-                        <a:cs typeface="Comfortaa"/>
-                        <a:sym typeface="Comfortaa"/>
-                      </a:rPr>
-                      <m:t>2</m:t>
+                      <m:t>=2</m:t>
                     </m:r>
                   </m:oMath>
                 </a14:m>
@@ -14933,21 +14903,7 @@
                     <a:cs typeface="Comfortaa"/>
                     <a:sym typeface="Comfortaa"/>
                   </a:rPr>
-                  <a:t>: </a:t>
-                </a:r>
-                <a:r>
-                  <a:rPr lang="it-IT" dirty="0">
-                    <a:solidFill>
-                      <a:schemeClr val="tx2">
-                        <a:lumMod val="75000"/>
-                      </a:schemeClr>
-                    </a:solidFill>
-                    <a:latin typeface="Comfortaa"/>
-                    <a:ea typeface="Comfortaa"/>
-                    <a:cs typeface="Comfortaa"/>
-                    <a:sym typeface="Comfortaa"/>
-                  </a:rPr>
-                  <a:t>Esempio</a:t>
+                  <a:t>: Esempio</a:t>
                 </a:r>
               </a:p>
               <a:p>
@@ -15232,7 +15188,7 @@
             </p:txBody>
           </p:sp>
         </mc:Choice>
-        <mc:Fallback>
+        <mc:Fallback xmlns="">
           <p:sp>
             <p:nvSpPr>
               <p:cNvPr id="494" name="Shape 494"/>
@@ -18682,8 +18638,8 @@
           </a:p>
         </p:txBody>
       </p:sp>
-      <mc:AlternateContent xmlns:mc="http://schemas.openxmlformats.org/markup-compatibility/2006">
-        <mc:Choice xmlns:a14="http://schemas.microsoft.com/office/drawing/2010/main" Requires="a14">
+      <mc:AlternateContent xmlns:mc="http://schemas.openxmlformats.org/markup-compatibility/2006" xmlns:a14="http://schemas.microsoft.com/office/drawing/2010/main">
+        <mc:Choice Requires="a14">
           <p:sp>
             <p:nvSpPr>
               <p:cNvPr id="494" name="Shape 494"/>
@@ -18989,21 +18945,7 @@
                         <a:cs typeface="Comfortaa"/>
                         <a:sym typeface="Comfortaa"/>
                       </a:rPr>
-                      <m:t>=</m:t>
-                    </m:r>
-                    <m:r>
-                      <a:rPr lang="it-IT" i="1">
-                        <a:solidFill>
-                          <a:schemeClr val="tx2">
-                            <a:lumMod val="75000"/>
-                          </a:schemeClr>
-                        </a:solidFill>
-                        <a:latin typeface="Cambria Math" panose="02040503050406030204" pitchFamily="18" charset="0"/>
-                        <a:ea typeface="Comfortaa"/>
-                        <a:cs typeface="Comfortaa"/>
-                        <a:sym typeface="Comfortaa"/>
-                      </a:rPr>
-                      <m:t>2</m:t>
+                      <m:t>=2</m:t>
                     </m:r>
                   </m:oMath>
                 </a14:m>
@@ -19091,21 +19033,7 @@
                         <a:cs typeface="Comfortaa"/>
                         <a:sym typeface="Comfortaa"/>
                       </a:rPr>
-                      <m:t>=</m:t>
-                    </m:r>
-                    <m:r>
-                      <a:rPr lang="it-IT" i="1">
-                        <a:solidFill>
-                          <a:schemeClr val="tx2">
-                            <a:lumMod val="75000"/>
-                          </a:schemeClr>
-                        </a:solidFill>
-                        <a:latin typeface="Cambria Math" panose="02040503050406030204" pitchFamily="18" charset="0"/>
-                        <a:ea typeface="Comfortaa"/>
-                        <a:cs typeface="Comfortaa"/>
-                        <a:sym typeface="Comfortaa"/>
-                      </a:rPr>
-                      <m:t>2</m:t>
+                      <m:t>=2</m:t>
                     </m:r>
                   </m:oMath>
                 </a14:m>
@@ -19121,21 +19049,7 @@
                     <a:cs typeface="Comfortaa"/>
                     <a:sym typeface="Comfortaa"/>
                   </a:rPr>
-                  <a:t>: </a:t>
-                </a:r>
-                <a:r>
-                  <a:rPr lang="it-IT" dirty="0">
-                    <a:solidFill>
-                      <a:schemeClr val="tx2">
-                        <a:lumMod val="75000"/>
-                      </a:schemeClr>
-                    </a:solidFill>
-                    <a:latin typeface="Comfortaa"/>
-                    <a:ea typeface="Comfortaa"/>
-                    <a:cs typeface="Comfortaa"/>
-                    <a:sym typeface="Comfortaa"/>
-                  </a:rPr>
-                  <a:t>Esempio</a:t>
+                  <a:t>: Esempio</a:t>
                 </a:r>
               </a:p>
               <a:p>
@@ -19450,7 +19364,7 @@
             </p:txBody>
           </p:sp>
         </mc:Choice>
-        <mc:Fallback>
+        <mc:Fallback xmlns="">
           <p:sp>
             <p:nvSpPr>
               <p:cNvPr id="494" name="Shape 494"/>
@@ -19669,8 +19583,8 @@
           </a:p>
         </p:txBody>
       </p:sp>
-      <mc:AlternateContent xmlns:mc="http://schemas.openxmlformats.org/markup-compatibility/2006">
-        <mc:Choice xmlns:a14="http://schemas.microsoft.com/office/drawing/2010/main" Requires="a14">
+      <mc:AlternateContent xmlns:mc="http://schemas.openxmlformats.org/markup-compatibility/2006" xmlns:a14="http://schemas.microsoft.com/office/drawing/2010/main">
+        <mc:Choice Requires="a14">
           <p:sp>
             <p:nvSpPr>
               <p:cNvPr id="494" name="Shape 494"/>
@@ -21103,19 +21017,7 @@
                             <a:cs typeface="Comfortaa"/>
                             <a:sym typeface="Comfortaa"/>
                           </a:rPr>
-                          <m:t>(</m:t>
-                        </m:r>
-                        <m:r>
-                          <a:rPr lang="it-IT" i="1">
-                            <a:solidFill>
-                              <a:schemeClr val="dk1"/>
-                            </a:solidFill>
-                            <a:latin typeface="Cambria Math" panose="02040503050406030204" pitchFamily="18" charset="0"/>
-                            <a:ea typeface="Comfortaa"/>
-                            <a:cs typeface="Comfortaa"/>
-                            <a:sym typeface="Comfortaa"/>
-                          </a:rPr>
-                          <m:t>(</m:t>
+                          <m:t>((</m:t>
                         </m:r>
                         <m:r>
                           <a:rPr lang="it-IT" i="1">
@@ -21210,19 +21112,7 @@
                         <a:cs typeface="Comfortaa"/>
                         <a:sym typeface="Comfortaa"/>
                       </a:rPr>
-                      <m:t>)</m:t>
-                    </m:r>
-                    <m:r>
-                      <a:rPr lang="it-IT" i="1">
-                        <a:solidFill>
-                          <a:schemeClr val="dk1"/>
-                        </a:solidFill>
-                        <a:latin typeface="Cambria Math" panose="02040503050406030204" pitchFamily="18" charset="0"/>
-                        <a:ea typeface="Comfortaa"/>
-                        <a:cs typeface="Comfortaa"/>
-                        <a:sym typeface="Comfortaa"/>
-                      </a:rPr>
-                      <m:t>, </m:t>
+                      <m:t>), </m:t>
                     </m:r>
                     <m:sSub>
                       <m:sSubPr>
@@ -21574,20 +21464,11 @@
                   </a:rPr>
                   <a:t>Tale algoritmo si ferma quando non riesce a generare più RFD.</a:t>
                 </a:r>
-                <a:endParaRPr lang="it-IT" dirty="0">
-                  <a:solidFill>
-                    <a:schemeClr val="dk1"/>
-                  </a:solidFill>
-                  <a:latin typeface="Comfortaa"/>
-                  <a:ea typeface="Comfortaa"/>
-                  <a:cs typeface="Comfortaa"/>
-                  <a:sym typeface="Comfortaa"/>
-                </a:endParaRPr>
               </a:p>
             </p:txBody>
           </p:sp>
         </mc:Choice>
-        <mc:Fallback>
+        <mc:Fallback xmlns="">
           <p:sp>
             <p:nvSpPr>
               <p:cNvPr id="494" name="Shape 494"/>
@@ -21797,8 +21678,8 @@
           </a:p>
         </p:txBody>
       </p:sp>
-      <mc:AlternateContent xmlns:mc="http://schemas.openxmlformats.org/markup-compatibility/2006">
-        <mc:Choice xmlns:a14="http://schemas.microsoft.com/office/drawing/2010/main" Requires="a14">
+      <mc:AlternateContent xmlns:mc="http://schemas.openxmlformats.org/markup-compatibility/2006" xmlns:a14="http://schemas.microsoft.com/office/drawing/2010/main">
+        <mc:Choice Requires="a14">
           <p:sp>
             <p:nvSpPr>
               <p:cNvPr id="494" name="Shape 494"/>
@@ -22104,21 +21985,7 @@
                         <a:cs typeface="Comfortaa"/>
                         <a:sym typeface="Comfortaa"/>
                       </a:rPr>
-                      <m:t>=</m:t>
-                    </m:r>
-                    <m:r>
-                      <a:rPr lang="it-IT" i="1">
-                        <a:solidFill>
-                          <a:schemeClr val="tx2">
-                            <a:lumMod val="75000"/>
-                          </a:schemeClr>
-                        </a:solidFill>
-                        <a:latin typeface="Cambria Math" panose="02040503050406030204" pitchFamily="18" charset="0"/>
-                        <a:ea typeface="Comfortaa"/>
-                        <a:cs typeface="Comfortaa"/>
-                        <a:sym typeface="Comfortaa"/>
-                      </a:rPr>
-                      <m:t>2</m:t>
+                      <m:t>=2</m:t>
                     </m:r>
                   </m:oMath>
                 </a14:m>
@@ -22206,21 +22073,7 @@
                         <a:cs typeface="Comfortaa"/>
                         <a:sym typeface="Comfortaa"/>
                       </a:rPr>
-                      <m:t>=</m:t>
-                    </m:r>
-                    <m:r>
-                      <a:rPr lang="it-IT" i="1">
-                        <a:solidFill>
-                          <a:schemeClr val="tx2">
-                            <a:lumMod val="75000"/>
-                          </a:schemeClr>
-                        </a:solidFill>
-                        <a:latin typeface="Cambria Math" panose="02040503050406030204" pitchFamily="18" charset="0"/>
-                        <a:ea typeface="Comfortaa"/>
-                        <a:cs typeface="Comfortaa"/>
-                        <a:sym typeface="Comfortaa"/>
-                      </a:rPr>
-                      <m:t>2</m:t>
+                      <m:t>=2</m:t>
                     </m:r>
                   </m:oMath>
                 </a14:m>
@@ -22236,21 +22089,7 @@
                     <a:cs typeface="Comfortaa"/>
                     <a:sym typeface="Comfortaa"/>
                   </a:rPr>
-                  <a:t>: </a:t>
-                </a:r>
-                <a:r>
-                  <a:rPr lang="it-IT" dirty="0">
-                    <a:solidFill>
-                      <a:schemeClr val="tx2">
-                        <a:lumMod val="75000"/>
-                      </a:schemeClr>
-                    </a:solidFill>
-                    <a:latin typeface="Comfortaa"/>
-                    <a:ea typeface="Comfortaa"/>
-                    <a:cs typeface="Comfortaa"/>
-                    <a:sym typeface="Comfortaa"/>
-                  </a:rPr>
-                  <a:t>Esempio</a:t>
+                  <a:t>: Esempio</a:t>
                 </a:r>
               </a:p>
               <a:p>
@@ -22570,7 +22409,7 @@
             </p:txBody>
           </p:sp>
         </mc:Choice>
-        <mc:Fallback>
+        <mc:Fallback xmlns="">
           <p:sp>
             <p:nvSpPr>
               <p:cNvPr id="494" name="Shape 494"/>
@@ -27517,21 +27356,17 @@
                 </a:pPr>
                 <a:r>
                   <a:rPr lang="it-IT" dirty="0" smtClean="0">
+                    <a:solidFill>
+                      <a:schemeClr val="tx2">
+                        <a:lumMod val="90000"/>
+                      </a:schemeClr>
+                    </a:solidFill>
                     <a:latin typeface="Comfortaa"/>
                     <a:ea typeface="Comfortaa"/>
                     <a:cs typeface="Comfortaa"/>
                     <a:sym typeface="Comfortaa"/>
                   </a:rPr>
-                  <a:t>Identificazione soglie </a:t>
-                </a:r>
-                <a:r>
-                  <a:rPr lang="it-IT" dirty="0" smtClean="0">
-                    <a:latin typeface="Comfortaa"/>
-                    <a:ea typeface="Comfortaa"/>
-                    <a:cs typeface="Comfortaa"/>
-                    <a:sym typeface="Comfortaa"/>
-                  </a:rPr>
-                  <a:t>ottime</a:t>
+                  <a:t>Identificazione soglie ottime</a:t>
                 </a:r>
               </a:p>
               <a:p>
@@ -27545,6 +27380,11 @@
                 </a:pPr>
                 <a:r>
                   <a:rPr lang="it-IT" dirty="0">
+                    <a:solidFill>
+                      <a:schemeClr val="tx2">
+                        <a:lumMod val="90000"/>
+                      </a:schemeClr>
+                    </a:solidFill>
                     <a:latin typeface="Comfortaa"/>
                     <a:ea typeface="Comfortaa"/>
                     <a:cs typeface="Comfortaa"/>
@@ -27560,6 +27400,11 @@
                         <m:endChr m:val="|"/>
                         <m:ctrlPr>
                           <a:rPr lang="it-IT" i="1">
+                            <a:solidFill>
+                              <a:schemeClr val="tx2">
+                                <a:lumMod val="90000"/>
+                              </a:schemeClr>
+                            </a:solidFill>
                             <a:latin typeface="Cambria Math" panose="02040503050406030204" pitchFamily="18" charset="0"/>
                             <a:ea typeface="Comfortaa"/>
                             <a:cs typeface="Comfortaa"/>
@@ -27570,6 +27415,11 @@
                       <m:e>
                         <m:r>
                           <a:rPr lang="it-IT" i="1">
+                            <a:solidFill>
+                              <a:schemeClr val="tx2">
+                                <a:lumMod val="90000"/>
+                              </a:schemeClr>
+                            </a:solidFill>
                             <a:latin typeface="Cambria Math" panose="02040503050406030204" pitchFamily="18" charset="0"/>
                             <a:ea typeface="Comfortaa"/>
                             <a:cs typeface="Comfortaa"/>
@@ -27581,6 +27431,11 @@
                     </m:d>
                     <m:r>
                       <a:rPr lang="it-IT" i="1">
+                        <a:solidFill>
+                          <a:schemeClr val="tx2">
+                            <a:lumMod val="90000"/>
+                          </a:schemeClr>
+                        </a:solidFill>
                         <a:latin typeface="Cambria Math" panose="02040503050406030204" pitchFamily="18" charset="0"/>
                         <a:ea typeface="Comfortaa"/>
                         <a:cs typeface="Comfortaa"/>
@@ -27591,6 +27446,11 @@
                   </m:oMath>
                 </a14:m>
                 <a:endParaRPr lang="it-IT" dirty="0">
+                  <a:solidFill>
+                    <a:schemeClr val="tx2">
+                      <a:lumMod val="90000"/>
+                    </a:schemeClr>
+                  </a:solidFill>
                   <a:latin typeface="Comfortaa"/>
                   <a:ea typeface="Comfortaa"/>
                   <a:cs typeface="Comfortaa"/>
@@ -27608,6 +27468,11 @@
                 </a:pPr>
                 <a:r>
                   <a:rPr lang="it-IT" dirty="0">
+                    <a:solidFill>
+                      <a:schemeClr val="tx2">
+                        <a:lumMod val="90000"/>
+                      </a:schemeClr>
+                    </a:solidFill>
                     <a:latin typeface="Comfortaa"/>
                     <a:ea typeface="Comfortaa"/>
                     <a:cs typeface="Comfortaa"/>
@@ -27623,6 +27488,11 @@
                         <m:endChr m:val="|"/>
                         <m:ctrlPr>
                           <a:rPr lang="it-IT" i="1">
+                            <a:solidFill>
+                              <a:schemeClr val="tx2">
+                                <a:lumMod val="90000"/>
+                              </a:schemeClr>
+                            </a:solidFill>
                             <a:latin typeface="Cambria Math" panose="02040503050406030204" pitchFamily="18" charset="0"/>
                             <a:ea typeface="Comfortaa"/>
                             <a:cs typeface="Comfortaa"/>
@@ -27633,6 +27503,11 @@
                       <m:e>
                         <m:r>
                           <a:rPr lang="it-IT" i="1">
+                            <a:solidFill>
+                              <a:schemeClr val="tx2">
+                                <a:lumMod val="90000"/>
+                              </a:schemeClr>
+                            </a:solidFill>
                             <a:latin typeface="Cambria Math" panose="02040503050406030204" pitchFamily="18" charset="0"/>
                             <a:ea typeface="Comfortaa"/>
                             <a:cs typeface="Comfortaa"/>
@@ -27644,6 +27519,11 @@
                     </m:d>
                     <m:r>
                       <a:rPr lang="it-IT" i="1">
+                        <a:solidFill>
+                          <a:schemeClr val="tx2">
+                            <a:lumMod val="90000"/>
+                          </a:schemeClr>
+                        </a:solidFill>
                         <a:latin typeface="Cambria Math" panose="02040503050406030204" pitchFamily="18" charset="0"/>
                         <a:ea typeface="Comfortaa"/>
                         <a:cs typeface="Comfortaa"/>
@@ -27655,6 +27535,11 @@
                 </a14:m>
                 <a:r>
                   <a:rPr lang="it-IT" dirty="0">
+                    <a:solidFill>
+                      <a:schemeClr val="tx2">
+                        <a:lumMod val="90000"/>
+                      </a:schemeClr>
+                    </a:solidFill>
                     <a:latin typeface="Comfortaa"/>
                     <a:ea typeface="Comfortaa"/>
                     <a:cs typeface="Comfortaa"/>
@@ -27674,6 +27559,11 @@
                 </a:pPr>
                 <a:r>
                   <a:rPr lang="it-IT" dirty="0">
+                    <a:solidFill>
+                      <a:schemeClr val="tx2">
+                        <a:lumMod val="90000"/>
+                      </a:schemeClr>
+                    </a:solidFill>
                     <a:latin typeface="Comfortaa"/>
                     <a:ea typeface="Comfortaa"/>
                     <a:cs typeface="Comfortaa"/>
@@ -27689,6 +27579,11 @@
                         <m:endChr m:val="|"/>
                         <m:ctrlPr>
                           <a:rPr lang="it-IT" i="1">
+                            <a:solidFill>
+                              <a:schemeClr val="tx2">
+                                <a:lumMod val="90000"/>
+                              </a:schemeClr>
+                            </a:solidFill>
                             <a:latin typeface="Cambria Math" panose="02040503050406030204" pitchFamily="18" charset="0"/>
                             <a:ea typeface="Comfortaa"/>
                             <a:cs typeface="Comfortaa"/>
@@ -27699,6 +27594,11 @@
                       <m:e>
                         <m:r>
                           <a:rPr lang="it-IT" i="1">
+                            <a:solidFill>
+                              <a:schemeClr val="tx2">
+                                <a:lumMod val="90000"/>
+                              </a:schemeClr>
+                            </a:solidFill>
                             <a:latin typeface="Cambria Math" panose="02040503050406030204" pitchFamily="18" charset="0"/>
                             <a:ea typeface="Comfortaa"/>
                             <a:cs typeface="Comfortaa"/>
@@ -27710,25 +27610,26 @@
                     </m:d>
                     <m:r>
                       <a:rPr lang="it-IT" i="1">
+                        <a:solidFill>
+                          <a:schemeClr val="tx2">
+                            <a:lumMod val="90000"/>
+                          </a:schemeClr>
+                        </a:solidFill>
                         <a:latin typeface="Cambria Math" panose="02040503050406030204" pitchFamily="18" charset="0"/>
                         <a:ea typeface="Comfortaa"/>
                         <a:cs typeface="Comfortaa"/>
                         <a:sym typeface="Comfortaa"/>
                       </a:rPr>
-                      <m:t>=</m:t>
-                    </m:r>
-                    <m:r>
-                      <a:rPr lang="it-IT" i="1">
-                        <a:latin typeface="Cambria Math" panose="02040503050406030204" pitchFamily="18" charset="0"/>
-                        <a:ea typeface="Comfortaa"/>
-                        <a:cs typeface="Comfortaa"/>
-                        <a:sym typeface="Comfortaa"/>
-                      </a:rPr>
-                      <m:t>2</m:t>
+                      <m:t>=2</m:t>
                     </m:r>
                   </m:oMath>
                 </a14:m>
                 <a:endParaRPr lang="it-IT" dirty="0">
+                  <a:solidFill>
+                    <a:schemeClr val="tx2">
+                      <a:lumMod val="90000"/>
+                    </a:schemeClr>
+                  </a:solidFill>
                   <a:latin typeface="Comfortaa"/>
                   <a:ea typeface="Comfortaa"/>
                   <a:cs typeface="Comfortaa"/>
@@ -27746,6 +27647,11 @@
                 </a:pPr>
                 <a:r>
                   <a:rPr lang="it-IT" dirty="0">
+                    <a:solidFill>
+                      <a:schemeClr val="tx2">
+                        <a:lumMod val="90000"/>
+                      </a:schemeClr>
+                    </a:solidFill>
                     <a:latin typeface="Comfortaa"/>
                     <a:ea typeface="Comfortaa"/>
                     <a:cs typeface="Comfortaa"/>
@@ -27761,6 +27667,11 @@
                         <m:endChr m:val="|"/>
                         <m:ctrlPr>
                           <a:rPr lang="it-IT" i="1">
+                            <a:solidFill>
+                              <a:schemeClr val="tx2">
+                                <a:lumMod val="90000"/>
+                              </a:schemeClr>
+                            </a:solidFill>
                             <a:latin typeface="Cambria Math" panose="02040503050406030204" pitchFamily="18" charset="0"/>
                             <a:ea typeface="Comfortaa"/>
                             <a:cs typeface="Comfortaa"/>
@@ -27771,6 +27682,11 @@
                       <m:e>
                         <m:r>
                           <a:rPr lang="it-IT" i="1">
+                            <a:solidFill>
+                              <a:schemeClr val="tx2">
+                                <a:lumMod val="90000"/>
+                              </a:schemeClr>
+                            </a:solidFill>
                             <a:latin typeface="Cambria Math" panose="02040503050406030204" pitchFamily="18" charset="0"/>
                             <a:ea typeface="Comfortaa"/>
                             <a:cs typeface="Comfortaa"/>
@@ -27782,41 +27698,33 @@
                     </m:d>
                     <m:r>
                       <a:rPr lang="it-IT" i="1">
+                        <a:solidFill>
+                          <a:schemeClr val="tx2">
+                            <a:lumMod val="90000"/>
+                          </a:schemeClr>
+                        </a:solidFill>
                         <a:latin typeface="Cambria Math" panose="02040503050406030204" pitchFamily="18" charset="0"/>
                         <a:ea typeface="Comfortaa"/>
                         <a:cs typeface="Comfortaa"/>
                         <a:sym typeface="Comfortaa"/>
                       </a:rPr>
-                      <m:t>=</m:t>
-                    </m:r>
-                    <m:r>
-                      <a:rPr lang="it-IT" i="1">
-                        <a:latin typeface="Cambria Math" panose="02040503050406030204" pitchFamily="18" charset="0"/>
-                        <a:ea typeface="Comfortaa"/>
-                        <a:cs typeface="Comfortaa"/>
-                        <a:sym typeface="Comfortaa"/>
-                      </a:rPr>
-                      <m:t>2</m:t>
+                      <m:t>=2</m:t>
                     </m:r>
                   </m:oMath>
                 </a14:m>
                 <a:r>
                   <a:rPr lang="it-IT" dirty="0">
+                    <a:solidFill>
+                      <a:schemeClr val="tx2">
+                        <a:lumMod val="90000"/>
+                      </a:schemeClr>
+                    </a:solidFill>
                     <a:latin typeface="Comfortaa"/>
                     <a:ea typeface="Comfortaa"/>
                     <a:cs typeface="Comfortaa"/>
                     <a:sym typeface="Comfortaa"/>
                   </a:rPr>
-                  <a:t>: </a:t>
-                </a:r>
-                <a:r>
-                  <a:rPr lang="it-IT" dirty="0">
-                    <a:latin typeface="Comfortaa"/>
-                    <a:ea typeface="Comfortaa"/>
-                    <a:cs typeface="Comfortaa"/>
-                    <a:sym typeface="Comfortaa"/>
-                  </a:rPr>
-                  <a:t>Esempio</a:t>
+                  <a:t>: Esempio</a:t>
                 </a:r>
               </a:p>
               <a:p>
@@ -27830,6 +27738,11 @@
                 </a:pPr>
                 <a:r>
                   <a:rPr lang="it-IT" dirty="0">
+                    <a:solidFill>
+                      <a:schemeClr val="tx2">
+                        <a:lumMod val="90000"/>
+                      </a:schemeClr>
+                    </a:solidFill>
                     <a:latin typeface="Comfortaa"/>
                     <a:ea typeface="Comfortaa"/>
                     <a:cs typeface="Comfortaa"/>
@@ -27845,6 +27758,11 @@
                         <m:endChr m:val="|"/>
                         <m:ctrlPr>
                           <a:rPr lang="it-IT" i="1">
+                            <a:solidFill>
+                              <a:schemeClr val="tx2">
+                                <a:lumMod val="90000"/>
+                              </a:schemeClr>
+                            </a:solidFill>
                             <a:latin typeface="Cambria Math" panose="02040503050406030204" pitchFamily="18" charset="0"/>
                             <a:ea typeface="Comfortaa"/>
                             <a:cs typeface="Comfortaa"/>
@@ -27855,6 +27773,11 @@
                       <m:e>
                         <m:r>
                           <a:rPr lang="it-IT" i="1">
+                            <a:solidFill>
+                              <a:schemeClr val="tx2">
+                                <a:lumMod val="90000"/>
+                              </a:schemeClr>
+                            </a:solidFill>
                             <a:latin typeface="Cambria Math" panose="02040503050406030204" pitchFamily="18" charset="0"/>
                             <a:ea typeface="Comfortaa"/>
                             <a:cs typeface="Comfortaa"/>
@@ -27866,6 +27789,11 @@
                     </m:d>
                     <m:r>
                       <a:rPr lang="it-IT" i="1">
+                        <a:solidFill>
+                          <a:schemeClr val="tx2">
+                            <a:lumMod val="90000"/>
+                          </a:schemeClr>
+                        </a:solidFill>
                         <a:latin typeface="Cambria Math" panose="02040503050406030204" pitchFamily="18" charset="0"/>
                         <a:ea typeface="Comfortaa"/>
                         <a:cs typeface="Comfortaa"/>
@@ -27875,6 +27803,11 @@
                     </m:r>
                     <m:r>
                       <a:rPr lang="it-IT" i="1">
+                        <a:solidFill>
+                          <a:schemeClr val="tx2">
+                            <a:lumMod val="90000"/>
+                          </a:schemeClr>
+                        </a:solidFill>
                         <a:latin typeface="Cambria Math" panose="02040503050406030204" pitchFamily="18" charset="0"/>
                         <a:ea typeface="Comfortaa"/>
                         <a:cs typeface="Comfortaa"/>
@@ -27885,6 +27818,11 @@
                   </m:oMath>
                 </a14:m>
                 <a:endParaRPr lang="it-IT" dirty="0">
+                  <a:solidFill>
+                    <a:schemeClr val="tx2">
+                      <a:lumMod val="90000"/>
+                    </a:schemeClr>
+                  </a:solidFill>
                   <a:latin typeface="Comfortaa"/>
                   <a:ea typeface="Comfortaa"/>
                   <a:cs typeface="Comfortaa"/>
@@ -27908,12 +27846,31 @@
                 </a:pPr>
                 <a:r>
                   <a:rPr lang="it-IT" dirty="0" smtClean="0">
+                    <a:solidFill>
+                      <a:schemeClr val="tx2">
+                        <a:lumMod val="90000"/>
+                      </a:schemeClr>
+                    </a:solidFill>
                     <a:latin typeface="Comfortaa"/>
                     <a:ea typeface="Comfortaa"/>
                     <a:cs typeface="Comfortaa"/>
                     <a:sym typeface="Comfortaa"/>
                   </a:rPr>
-                  <a:t>Generazione RFD</a:t>
+                  <a:t>Generazione </a:t>
+                </a:r>
+                <a:r>
+                  <a:rPr lang="it-IT" dirty="0" smtClean="0">
+                    <a:solidFill>
+                      <a:schemeClr val="tx2">
+                        <a:lumMod val="90000"/>
+                      </a:schemeClr>
+                    </a:solidFill>
+                    <a:latin typeface="Comfortaa"/>
+                    <a:ea typeface="Comfortaa"/>
+                    <a:cs typeface="Comfortaa"/>
+                    <a:sym typeface="Comfortaa"/>
+                  </a:rPr>
+                  <a:t>RFD</a:t>
                 </a:r>
               </a:p>
               <a:p>
@@ -27934,7 +27891,9 @@
                 <a:r>
                   <a:rPr lang="it-IT" dirty="0" smtClean="0">
                     <a:solidFill>
-                      <a:schemeClr val="dk1"/>
+                      <a:schemeClr val="tx2">
+                        <a:lumMod val="90000"/>
+                      </a:schemeClr>
                     </a:solidFill>
                     <a:latin typeface="Comfortaa"/>
                     <a:ea typeface="Comfortaa"/>
@@ -27945,7 +27904,9 @@
                 </a:r>
                 <a:endParaRPr lang="it-IT" dirty="0">
                   <a:solidFill>
-                    <a:schemeClr val="dk1"/>
+                    <a:schemeClr val="tx2">
+                      <a:lumMod val="90000"/>
+                    </a:schemeClr>
                   </a:solidFill>
                   <a:latin typeface="Comfortaa"/>
                   <a:ea typeface="Comfortaa"/>
@@ -27971,7 +27932,9 @@
                 <a:r>
                   <a:rPr lang="it-IT" dirty="0" err="1">
                     <a:solidFill>
-                      <a:schemeClr val="dk1"/>
+                      <a:schemeClr val="tx2">
+                        <a:lumMod val="90000"/>
+                      </a:schemeClr>
                     </a:solidFill>
                     <a:latin typeface="Comfortaa"/>
                     <a:ea typeface="Comfortaa"/>
@@ -27983,7 +27946,9 @@
                 <a:r>
                   <a:rPr lang="it-IT" dirty="0">
                     <a:solidFill>
-                      <a:schemeClr val="dk1"/>
+                      <a:schemeClr val="tx2">
+                        <a:lumMod val="90000"/>
+                      </a:schemeClr>
                     </a:solidFill>
                     <a:latin typeface="Comfortaa"/>
                     <a:ea typeface="Comfortaa"/>
@@ -28011,7 +27976,9 @@
                 <a:r>
                   <a:rPr lang="it-IT" dirty="0">
                     <a:solidFill>
-                      <a:schemeClr val="dk1"/>
+                      <a:schemeClr val="tx2">
+                        <a:lumMod val="90000"/>
+                      </a:schemeClr>
                     </a:solidFill>
                     <a:latin typeface="Comfortaa"/>
                     <a:ea typeface="Comfortaa"/>
@@ -28039,7 +28006,9 @@
                 <a:r>
                   <a:rPr lang="it-IT" dirty="0">
                     <a:solidFill>
-                      <a:schemeClr val="dk1"/>
+                      <a:schemeClr val="tx2">
+                        <a:lumMod val="90000"/>
+                      </a:schemeClr>
                     </a:solidFill>
                     <a:latin typeface="Comfortaa"/>
                     <a:ea typeface="Comfortaa"/>
@@ -28051,7 +28020,9 @@
                 <a:r>
                   <a:rPr lang="it-IT" dirty="0" err="1">
                     <a:solidFill>
-                      <a:schemeClr val="dk1"/>
+                      <a:schemeClr val="tx2">
+                        <a:lumMod val="90000"/>
+                      </a:schemeClr>
                     </a:solidFill>
                     <a:latin typeface="Comfortaa"/>
                     <a:ea typeface="Comfortaa"/>
@@ -28062,7 +28033,9 @@
                 </a:r>
                 <a:endParaRPr lang="it-IT" dirty="0">
                   <a:solidFill>
-                    <a:schemeClr val="dk1"/>
+                    <a:schemeClr val="tx2">
+                      <a:lumMod val="90000"/>
+                    </a:schemeClr>
                   </a:solidFill>
                   <a:latin typeface="Comfortaa"/>
                   <a:ea typeface="Comfortaa"/>
@@ -28143,6 +28116,215 @@
           </p:sp>
         </mc:Fallback>
       </mc:AlternateContent>
+      <p:sp>
+        <p:nvSpPr>
+          <p:cNvPr id="2" name="CasellaDiTesto 1"/>
+          <p:cNvSpPr txBox="1"/>
+          <p:nvPr/>
+        </p:nvSpPr>
+        <p:spPr>
+          <a:xfrm>
+            <a:off x="7102764" y="0"/>
+            <a:ext cx="2632363" cy="1791855"/>
+          </a:xfrm>
+          <a:prstGeom prst="rect">
+            <a:avLst/>
+          </a:prstGeom>
+          <a:noFill/>
+        </p:spPr>
+        <p:txBody>
+          <a:bodyPr wrap="square" rtlCol="0">
+            <a:spAutoFit/>
+          </a:bodyPr>
+          <a:lstStyle/>
+          <a:p>
+            <a:endParaRPr lang="it-IT" dirty="0"/>
+          </a:p>
+        </p:txBody>
+      </p:sp>
+      <p:sp>
+        <p:nvSpPr>
+          <p:cNvPr id="4" name="CasellaDiTesto 3"/>
+          <p:cNvSpPr txBox="1"/>
+          <p:nvPr/>
+        </p:nvSpPr>
+        <p:spPr>
+          <a:xfrm>
+            <a:off x="665020" y="3729078"/>
+            <a:ext cx="350982" cy="307777"/>
+          </a:xfrm>
+          <a:prstGeom prst="rect">
+            <a:avLst/>
+          </a:prstGeom>
+          <a:noFill/>
+        </p:spPr>
+        <p:txBody>
+          <a:bodyPr wrap="square" rtlCol="0">
+            <a:spAutoFit/>
+          </a:bodyPr>
+          <a:lstStyle/>
+          <a:p>
+            <a:r>
+              <a:rPr lang="it-IT" dirty="0" smtClean="0">
+                <a:solidFill>
+                  <a:srgbClr val="E6E6E6"/>
+                </a:solidFill>
+                <a:latin typeface="Comfortaa" panose="00000500000000000000" pitchFamily="2" charset="0"/>
+              </a:rPr>
+              <a:t>3.</a:t>
+            </a:r>
+            <a:endParaRPr lang="it-IT" dirty="0">
+              <a:solidFill>
+                <a:srgbClr val="E6E6E6"/>
+              </a:solidFill>
+              <a:latin typeface="Comfortaa" panose="00000500000000000000" pitchFamily="2" charset="0"/>
+            </a:endParaRPr>
+          </a:p>
+        </p:txBody>
+      </p:sp>
+      <p:sp>
+        <p:nvSpPr>
+          <p:cNvPr id="9" name="CasellaDiTesto 8"/>
+          <p:cNvSpPr txBox="1"/>
+          <p:nvPr/>
+        </p:nvSpPr>
+        <p:spPr>
+          <a:xfrm>
+            <a:off x="1120774" y="4046398"/>
+            <a:ext cx="350982" cy="307777"/>
+          </a:xfrm>
+          <a:prstGeom prst="rect">
+            <a:avLst/>
+          </a:prstGeom>
+          <a:noFill/>
+        </p:spPr>
+        <p:txBody>
+          <a:bodyPr wrap="square" rtlCol="0">
+            <a:spAutoFit/>
+          </a:bodyPr>
+          <a:lstStyle/>
+          <a:p>
+            <a:r>
+              <a:rPr lang="it-IT" dirty="0">
+                <a:solidFill>
+                  <a:schemeClr val="tx2">
+                    <a:lumMod val="90000"/>
+                  </a:schemeClr>
+                </a:solidFill>
+                <a:latin typeface="Comfortaa" panose="00000500000000000000" pitchFamily="2" charset="0"/>
+              </a:rPr>
+              <a:t>a</a:t>
+            </a:r>
+            <a:r>
+              <a:rPr lang="it-IT" dirty="0" smtClean="0">
+                <a:solidFill>
+                  <a:schemeClr val="tx2">
+                    <a:lumMod val="90000"/>
+                  </a:schemeClr>
+                </a:solidFill>
+                <a:latin typeface="Comfortaa" panose="00000500000000000000" pitchFamily="2" charset="0"/>
+              </a:rPr>
+              <a:t>.</a:t>
+            </a:r>
+            <a:endParaRPr lang="it-IT" dirty="0">
+              <a:solidFill>
+                <a:schemeClr val="tx2">
+                  <a:lumMod val="90000"/>
+                </a:schemeClr>
+              </a:solidFill>
+              <a:latin typeface="Comfortaa" panose="00000500000000000000" pitchFamily="2" charset="0"/>
+            </a:endParaRPr>
+          </a:p>
+        </p:txBody>
+      </p:sp>
+      <p:sp>
+        <p:nvSpPr>
+          <p:cNvPr id="10" name="CasellaDiTesto 9"/>
+          <p:cNvSpPr txBox="1"/>
+          <p:nvPr/>
+        </p:nvSpPr>
+        <p:spPr>
+          <a:xfrm>
+            <a:off x="1120774" y="4684889"/>
+            <a:ext cx="350982" cy="307777"/>
+          </a:xfrm>
+          <a:prstGeom prst="rect">
+            <a:avLst/>
+          </a:prstGeom>
+          <a:noFill/>
+        </p:spPr>
+        <p:txBody>
+          <a:bodyPr wrap="square" rtlCol="0">
+            <a:spAutoFit/>
+          </a:bodyPr>
+          <a:lstStyle/>
+          <a:p>
+            <a:r>
+              <a:rPr lang="it-IT" dirty="0" smtClean="0">
+                <a:solidFill>
+                  <a:schemeClr val="tx2">
+                    <a:lumMod val="90000"/>
+                  </a:schemeClr>
+                </a:solidFill>
+                <a:latin typeface="Comfortaa" panose="00000500000000000000" pitchFamily="2" charset="0"/>
+              </a:rPr>
+              <a:t>c.</a:t>
+            </a:r>
+            <a:endParaRPr lang="it-IT" dirty="0">
+              <a:solidFill>
+                <a:schemeClr val="tx2">
+                  <a:lumMod val="90000"/>
+                </a:schemeClr>
+              </a:solidFill>
+              <a:latin typeface="Comfortaa" panose="00000500000000000000" pitchFamily="2" charset="0"/>
+            </a:endParaRPr>
+          </a:p>
+        </p:txBody>
+      </p:sp>
+      <p:sp>
+        <p:nvSpPr>
+          <p:cNvPr id="11" name="CasellaDiTesto 10"/>
+          <p:cNvSpPr txBox="1"/>
+          <p:nvPr/>
+        </p:nvSpPr>
+        <p:spPr>
+          <a:xfrm>
+            <a:off x="1120774" y="4367876"/>
+            <a:ext cx="350982" cy="307777"/>
+          </a:xfrm>
+          <a:prstGeom prst="rect">
+            <a:avLst/>
+          </a:prstGeom>
+          <a:noFill/>
+        </p:spPr>
+        <p:txBody>
+          <a:bodyPr wrap="square" rtlCol="0">
+            <a:spAutoFit/>
+          </a:bodyPr>
+          <a:lstStyle/>
+          <a:p>
+            <a:r>
+              <a:rPr lang="it-IT" dirty="0" smtClean="0">
+                <a:solidFill>
+                  <a:schemeClr val="tx2">
+                    <a:lumMod val="90000"/>
+                  </a:schemeClr>
+                </a:solidFill>
+                <a:latin typeface="Comfortaa" panose="00000500000000000000" pitchFamily="2" charset="0"/>
+              </a:rPr>
+              <a:t>b.</a:t>
+            </a:r>
+            <a:endParaRPr lang="it-IT" dirty="0">
+              <a:solidFill>
+                <a:schemeClr val="tx2">
+                  <a:lumMod val="90000"/>
+                </a:schemeClr>
+              </a:solidFill>
+              <a:latin typeface="Comfortaa" panose="00000500000000000000" pitchFamily="2" charset="0"/>
+            </a:endParaRPr>
+          </a:p>
+        </p:txBody>
+      </p:sp>
     </p:spTree>
     <p:extLst>
       <p:ext uri="{BB962C8B-B14F-4D97-AF65-F5344CB8AC3E}">
@@ -29023,8 +29205,8 @@
           </a:p>
         </p:txBody>
       </p:sp>
-      <mc:AlternateContent xmlns:mc="http://schemas.openxmlformats.org/markup-compatibility/2006">
-        <mc:Choice xmlns:a14="http://schemas.microsoft.com/office/drawing/2010/main" Requires="a14">
+      <mc:AlternateContent xmlns:mc="http://schemas.openxmlformats.org/markup-compatibility/2006" xmlns:a14="http://schemas.microsoft.com/office/drawing/2010/main">
+        <mc:Choice Requires="a14">
           <p:sp>
             <p:nvSpPr>
               <p:cNvPr id="494" name="Shape 494"/>
@@ -29071,16 +29253,7 @@
                     <a:cs typeface="Comfortaa"/>
                     <a:sym typeface="Comfortaa"/>
                   </a:rPr>
-                  <a:t>Identificazione soglie </a:t>
-                </a:r>
-                <a:r>
-                  <a:rPr lang="it-IT" dirty="0" smtClean="0">
-                    <a:latin typeface="Comfortaa"/>
-                    <a:ea typeface="Comfortaa"/>
-                    <a:cs typeface="Comfortaa"/>
-                    <a:sym typeface="Comfortaa"/>
-                  </a:rPr>
-                  <a:t>ottime</a:t>
+                  <a:t>Identificazione soglie ottime</a:t>
                 </a:r>
               </a:p>
               <a:p>
@@ -29264,16 +29437,7 @@
                         <a:cs typeface="Comfortaa"/>
                         <a:sym typeface="Comfortaa"/>
                       </a:rPr>
-                      <m:t>=</m:t>
-                    </m:r>
-                    <m:r>
-                      <a:rPr lang="it-IT" i="1">
-                        <a:latin typeface="Cambria Math" panose="02040503050406030204" pitchFamily="18" charset="0"/>
-                        <a:ea typeface="Comfortaa"/>
-                        <a:cs typeface="Comfortaa"/>
-                        <a:sym typeface="Comfortaa"/>
-                      </a:rPr>
-                      <m:t>2</m:t>
+                      <m:t>=2</m:t>
                     </m:r>
                   </m:oMath>
                 </a14:m>
@@ -29336,16 +29500,7 @@
                         <a:cs typeface="Comfortaa"/>
                         <a:sym typeface="Comfortaa"/>
                       </a:rPr>
-                      <m:t>=</m:t>
-                    </m:r>
-                    <m:r>
-                      <a:rPr lang="it-IT" i="1">
-                        <a:latin typeface="Cambria Math" panose="02040503050406030204" pitchFamily="18" charset="0"/>
-                        <a:ea typeface="Comfortaa"/>
-                        <a:cs typeface="Comfortaa"/>
-                        <a:sym typeface="Comfortaa"/>
-                      </a:rPr>
-                      <m:t>2</m:t>
+                      <m:t>=2</m:t>
                     </m:r>
                   </m:oMath>
                 </a14:m>
@@ -29356,16 +29511,7 @@
                     <a:cs typeface="Comfortaa"/>
                     <a:sym typeface="Comfortaa"/>
                   </a:rPr>
-                  <a:t>: </a:t>
-                </a:r>
-                <a:r>
-                  <a:rPr lang="it-IT" dirty="0">
-                    <a:latin typeface="Comfortaa"/>
-                    <a:ea typeface="Comfortaa"/>
-                    <a:cs typeface="Comfortaa"/>
-                    <a:sym typeface="Comfortaa"/>
-                  </a:rPr>
-                  <a:t>Esempio</a:t>
+                  <a:t>: Esempio</a:t>
                 </a:r>
               </a:p>
               <a:p>
@@ -29650,7 +29796,7 @@
             </p:txBody>
           </p:sp>
         </mc:Choice>
-        <mc:Fallback>
+        <mc:Fallback xmlns="">
           <p:sp>
             <p:nvSpPr>
               <p:cNvPr id="494" name="Shape 494"/>
@@ -38040,8 +38186,8 @@
           </a:p>
         </p:txBody>
       </p:sp>
-      <mc:AlternateContent xmlns:mc="http://schemas.openxmlformats.org/markup-compatibility/2006">
-        <mc:Choice xmlns:a14="http://schemas.microsoft.com/office/drawing/2010/main" Requires="a14">
+      <mc:AlternateContent xmlns:mc="http://schemas.openxmlformats.org/markup-compatibility/2006" xmlns:a14="http://schemas.microsoft.com/office/drawing/2010/main">
+        <mc:Choice Requires="a14">
           <p:sp>
             <p:nvSpPr>
               <p:cNvPr id="494" name="Shape 494"/>
@@ -38088,16 +38234,7 @@
                     <a:cs typeface="Comfortaa"/>
                     <a:sym typeface="Comfortaa"/>
                   </a:rPr>
-                  <a:t>Identificazione soglie </a:t>
-                </a:r>
-                <a:r>
-                  <a:rPr lang="it-IT" dirty="0" smtClean="0">
-                    <a:latin typeface="Comfortaa"/>
-                    <a:ea typeface="Comfortaa"/>
-                    <a:cs typeface="Comfortaa"/>
-                    <a:sym typeface="Comfortaa"/>
-                  </a:rPr>
-                  <a:t>ottime</a:t>
+                  <a:t>Identificazione soglie ottime</a:t>
                 </a:r>
               </a:p>
               <a:p>
@@ -38331,16 +38468,7 @@
                         <a:cs typeface="Comfortaa"/>
                         <a:sym typeface="Comfortaa"/>
                       </a:rPr>
-                      <m:t>=</m:t>
-                    </m:r>
-                    <m:r>
-                      <a:rPr lang="it-IT" i="1">
-                        <a:latin typeface="Cambria Math" panose="02040503050406030204" pitchFamily="18" charset="0"/>
-                        <a:ea typeface="Comfortaa"/>
-                        <a:cs typeface="Comfortaa"/>
-                        <a:sym typeface="Comfortaa"/>
-                      </a:rPr>
-                      <m:t>2</m:t>
+                      <m:t>=2</m:t>
                     </m:r>
                   </m:oMath>
                 </a14:m>
@@ -38403,16 +38531,7 @@
                         <a:cs typeface="Comfortaa"/>
                         <a:sym typeface="Comfortaa"/>
                       </a:rPr>
-                      <m:t>=</m:t>
-                    </m:r>
-                    <m:r>
-                      <a:rPr lang="it-IT" i="1">
-                        <a:latin typeface="Cambria Math" panose="02040503050406030204" pitchFamily="18" charset="0"/>
-                        <a:ea typeface="Comfortaa"/>
-                        <a:cs typeface="Comfortaa"/>
-                        <a:sym typeface="Comfortaa"/>
-                      </a:rPr>
-                      <m:t>2</m:t>
+                      <m:t>=2</m:t>
                     </m:r>
                   </m:oMath>
                 </a14:m>
@@ -38423,16 +38542,7 @@
                     <a:cs typeface="Comfortaa"/>
                     <a:sym typeface="Comfortaa"/>
                   </a:rPr>
-                  <a:t>: </a:t>
-                </a:r>
-                <a:r>
-                  <a:rPr lang="it-IT" dirty="0">
-                    <a:latin typeface="Comfortaa"/>
-                    <a:ea typeface="Comfortaa"/>
-                    <a:cs typeface="Comfortaa"/>
-                    <a:sym typeface="Comfortaa"/>
-                  </a:rPr>
-                  <a:t>Esempio</a:t>
+                  <a:t>: Esempio</a:t>
                 </a:r>
               </a:p>
               <a:p>
@@ -38717,7 +38827,7 @@
             </p:txBody>
           </p:sp>
         </mc:Choice>
-        <mc:Fallback>
+        <mc:Fallback xmlns="">
           <p:sp>
             <p:nvSpPr>
               <p:cNvPr id="494" name="Shape 494"/>
